--- a/examples/puerto_rico_stoch/data/scenario_overview.pptx
+++ b/examples/puerto_rico_stoch/data/scenario_overview.pptx
@@ -6,7 +6,6 @@
   </p:sldMasterIdLst>
   <p:sldIdLst>
     <p:sldId id="257" r:id="rId2"/>
-    <p:sldId id="258" r:id="rId3"/>
   </p:sldIdLst>
   <p:sldSz cx="12192000" cy="6858000"/>
   <p:notesSz cx="6858000" cy="9144000"/>
@@ -105,6 +104,11 @@
       </a:defRPr>
     </a:lvl9pPr>
   </p:defaultTextStyle>
+  <p:extLst>
+    <p:ext uri="{EFAFB233-063F-42B5-8137-9DF3F51BA10A}">
+      <p15:sldGuideLst xmlns:p15="http://schemas.microsoft.com/office/powerpoint/2012/main"/>
+    </p:ext>
+  </p:extLst>
 </p:presentation>
 </file>
 
@@ -239,7 +243,7 @@
           <a:p>
             <a:fld id="{4E0D474A-36D6-42D7-8D99-A750CFDD9A60}" type="datetimeFigureOut">
               <a:rPr lang="en-US" smtClean="0"/>
-              <a:t>10/17/2019</a:t>
+              <a:t>1/15/2020</a:t>
             </a:fld>
             <a:endParaRPr lang="en-US"/>
           </a:p>
@@ -409,7 +413,7 @@
           <a:p>
             <a:fld id="{4E0D474A-36D6-42D7-8D99-A750CFDD9A60}" type="datetimeFigureOut">
               <a:rPr lang="en-US" smtClean="0"/>
-              <a:t>10/17/2019</a:t>
+              <a:t>1/15/2020</a:t>
             </a:fld>
             <a:endParaRPr lang="en-US"/>
           </a:p>
@@ -589,7 +593,7 @@
           <a:p>
             <a:fld id="{4E0D474A-36D6-42D7-8D99-A750CFDD9A60}" type="datetimeFigureOut">
               <a:rPr lang="en-US" smtClean="0"/>
-              <a:t>10/17/2019</a:t>
+              <a:t>1/15/2020</a:t>
             </a:fld>
             <a:endParaRPr lang="en-US"/>
           </a:p>
@@ -759,7 +763,7 @@
           <a:p>
             <a:fld id="{4E0D474A-36D6-42D7-8D99-A750CFDD9A60}" type="datetimeFigureOut">
               <a:rPr lang="en-US" smtClean="0"/>
-              <a:t>10/17/2019</a:t>
+              <a:t>1/15/2020</a:t>
             </a:fld>
             <a:endParaRPr lang="en-US"/>
           </a:p>
@@ -1005,7 +1009,7 @@
           <a:p>
             <a:fld id="{4E0D474A-36D6-42D7-8D99-A750CFDD9A60}" type="datetimeFigureOut">
               <a:rPr lang="en-US" smtClean="0"/>
-              <a:t>10/17/2019</a:t>
+              <a:t>1/15/2020</a:t>
             </a:fld>
             <a:endParaRPr lang="en-US"/>
           </a:p>
@@ -1237,7 +1241,7 @@
           <a:p>
             <a:fld id="{4E0D474A-36D6-42D7-8D99-A750CFDD9A60}" type="datetimeFigureOut">
               <a:rPr lang="en-US" smtClean="0"/>
-              <a:t>10/17/2019</a:t>
+              <a:t>1/15/2020</a:t>
             </a:fld>
             <a:endParaRPr lang="en-US"/>
           </a:p>
@@ -1604,7 +1608,7 @@
           <a:p>
             <a:fld id="{4E0D474A-36D6-42D7-8D99-A750CFDD9A60}" type="datetimeFigureOut">
               <a:rPr lang="en-US" smtClean="0"/>
-              <a:t>10/17/2019</a:t>
+              <a:t>1/15/2020</a:t>
             </a:fld>
             <a:endParaRPr lang="en-US"/>
           </a:p>
@@ -1722,7 +1726,7 @@
           <a:p>
             <a:fld id="{4E0D474A-36D6-42D7-8D99-A750CFDD9A60}" type="datetimeFigureOut">
               <a:rPr lang="en-US" smtClean="0"/>
-              <a:t>10/17/2019</a:t>
+              <a:t>1/15/2020</a:t>
             </a:fld>
             <a:endParaRPr lang="en-US"/>
           </a:p>
@@ -1817,7 +1821,7 @@
           <a:p>
             <a:fld id="{4E0D474A-36D6-42D7-8D99-A750CFDD9A60}" type="datetimeFigureOut">
               <a:rPr lang="en-US" smtClean="0"/>
-              <a:t>10/17/2019</a:t>
+              <a:t>1/15/2020</a:t>
             </a:fld>
             <a:endParaRPr lang="en-US"/>
           </a:p>
@@ -2094,7 +2098,7 @@
           <a:p>
             <a:fld id="{4E0D474A-36D6-42D7-8D99-A750CFDD9A60}" type="datetimeFigureOut">
               <a:rPr lang="en-US" smtClean="0"/>
-              <a:t>10/17/2019</a:t>
+              <a:t>1/15/2020</a:t>
             </a:fld>
             <a:endParaRPr lang="en-US"/>
           </a:p>
@@ -2347,7 +2351,7 @@
           <a:p>
             <a:fld id="{4E0D474A-36D6-42D7-8D99-A750CFDD9A60}" type="datetimeFigureOut">
               <a:rPr lang="en-US" smtClean="0"/>
-              <a:t>10/17/2019</a:t>
+              <a:t>1/15/2020</a:t>
             </a:fld>
             <a:endParaRPr lang="en-US"/>
           </a:p>
@@ -2560,7 +2564,7 @@
           <a:p>
             <a:fld id="{4E0D474A-36D6-42D7-8D99-A750CFDD9A60}" type="datetimeFigureOut">
               <a:rPr lang="en-US" smtClean="0"/>
-              <a:t>10/17/2019</a:t>
+              <a:t>1/15/2020</a:t>
             </a:fld>
             <a:endParaRPr lang="en-US"/>
           </a:p>
@@ -2974,13 +2978,13 @@
           <p:nvPr>
             <p:extLst>
               <p:ext uri="{D42A27DB-BD31-4B8C-83A1-F6EECF244321}">
-                <p14:modId xmlns:p14="http://schemas.microsoft.com/office/powerpoint/2010/main" val="2707603787"/>
+                <p14:modId xmlns:p14="http://schemas.microsoft.com/office/powerpoint/2010/main" val="1067412941"/>
               </p:ext>
             </p:extLst>
           </p:nvPr>
         </p:nvGraphicFramePr>
         <p:xfrm>
-          <a:off x="13293" y="2842157"/>
+          <a:off x="128661" y="3354904"/>
           <a:ext cx="4020322" cy="1854200"/>
         </p:xfrm>
         <a:graphic>
@@ -3209,14 +3213,14 @@
           <p:nvPr>
             <p:extLst>
               <p:ext uri="{D42A27DB-BD31-4B8C-83A1-F6EECF244321}">
-                <p14:modId xmlns:p14="http://schemas.microsoft.com/office/powerpoint/2010/main" val="908504917"/>
+                <p14:modId xmlns:p14="http://schemas.microsoft.com/office/powerpoint/2010/main" val="3989200134"/>
               </p:ext>
             </p:extLst>
           </p:nvPr>
         </p:nvGraphicFramePr>
         <p:xfrm>
           <a:off x="61244" y="402450"/>
-          <a:ext cx="4155156" cy="1854200"/>
+          <a:ext cx="4155156" cy="2595880"/>
         </p:xfrm>
         <a:graphic>
           <a:graphicData uri="http://schemas.openxmlformats.org/drawingml/2006/table">
@@ -3283,6 +3287,92 @@
                     <a:p>
                       <a:r>
                         <a:rPr lang="en-US" dirty="0" smtClean="0"/>
+                        <a:t>T</a:t>
+                      </a:r>
+                      <a:endParaRPr lang="en-US" dirty="0"/>
+                    </a:p>
+                  </a:txBody>
+                  <a:tcPr/>
+                </a:tc>
+                <a:tc>
+                  <a:txBody>
+                    <a:bodyPr/>
+                    <a:lstStyle/>
+                    <a:p>
+                      <a:r>
+                        <a:rPr lang="en-US" baseline="0" dirty="0" smtClean="0"/>
+                        <a:t>All technologies w/o Carbon Tax</a:t>
+                      </a:r>
+                      <a:endParaRPr lang="en-US" baseline="0" dirty="0" smtClean="0"/>
+                    </a:p>
+                  </a:txBody>
+                  <a:tcPr/>
+                </a:tc>
+                <a:extLst>
+                  <a:ext uri="{0D108BD9-81ED-4DB2-BD59-A6C34878D82A}">
+                    <a16:rowId xmlns:a16="http://schemas.microsoft.com/office/drawing/2014/main" val="4249334561"/>
+                  </a:ext>
+                </a:extLst>
+              </a:tr>
+              <a:tr h="370840">
+                <a:tc>
+                  <a:txBody>
+                    <a:bodyPr/>
+                    <a:lstStyle/>
+                    <a:p>
+                      <a:r>
+                        <a:rPr lang="en-US" dirty="0" smtClean="0"/>
+                        <a:t>U</a:t>
+                      </a:r>
+                      <a:endParaRPr lang="en-US" dirty="0"/>
+                    </a:p>
+                  </a:txBody>
+                  <a:tcPr/>
+                </a:tc>
+                <a:tc>
+                  <a:txBody>
+                    <a:bodyPr/>
+                    <a:lstStyle/>
+                    <a:p>
+                      <a:pPr marL="0" marR="0" indent="0" algn="l" defTabSz="914400" rtl="0" eaLnBrk="1" fontAlgn="auto" latinLnBrk="0" hangingPunct="1">
+                        <a:lnSpc>
+                          <a:spcPct val="100000"/>
+                        </a:lnSpc>
+                        <a:spcBef>
+                          <a:spcPts val="0"/>
+                        </a:spcBef>
+                        <a:spcAft>
+                          <a:spcPts val="0"/>
+                        </a:spcAft>
+                        <a:buClrTx/>
+                        <a:buSzTx/>
+                        <a:buFontTx/>
+                        <a:buNone/>
+                        <a:tabLst/>
+                        <a:defRPr/>
+                      </a:pPr>
+                      <a:r>
+                        <a:rPr lang="en-US" baseline="0" dirty="0" smtClean="0"/>
+                        <a:t>All technologies w/ Carbon Tax</a:t>
+                      </a:r>
+                    </a:p>
+                  </a:txBody>
+                  <a:tcPr/>
+                </a:tc>
+                <a:extLst>
+                  <a:ext uri="{0D108BD9-81ED-4DB2-BD59-A6C34878D82A}">
+                    <a16:rowId xmlns:a16="http://schemas.microsoft.com/office/drawing/2014/main" val="1987041860"/>
+                  </a:ext>
+                </a:extLst>
+              </a:tr>
+              <a:tr h="370840">
+                <a:tc>
+                  <a:txBody>
+                    <a:bodyPr/>
+                    <a:lstStyle/>
+                    <a:p>
+                      <a:r>
+                        <a:rPr lang="en-US" dirty="0" smtClean="0"/>
                         <a:t>W</a:t>
                       </a:r>
                       <a:endParaRPr lang="en-US" dirty="0"/>
@@ -3341,7 +3431,6 @@
                         <a:rPr lang="en-US" baseline="0" dirty="0" smtClean="0"/>
                         <a:t> Carbon Tax</a:t>
                       </a:r>
-                      <a:endParaRPr lang="en-US" baseline="0" dirty="0" smtClean="0"/>
                     </a:p>
                   </a:txBody>
                   <a:tcPr/>
@@ -3380,7 +3469,6 @@
                         <a:rPr lang="en-US" baseline="0" dirty="0" smtClean="0"/>
                         <a:t> Carbon Tax</a:t>
                       </a:r>
-                      <a:endParaRPr lang="en-US" baseline="0" dirty="0" smtClean="0"/>
                     </a:p>
                   </a:txBody>
                   <a:tcPr/>
@@ -3419,7 +3507,6 @@
                         <a:rPr lang="en-US" baseline="0" dirty="0" smtClean="0"/>
                         <a:t> Carbon Tax</a:t>
                       </a:r>
-                      <a:endParaRPr lang="en-US" baseline="0" dirty="0" smtClean="0"/>
                     </a:p>
                   </a:txBody>
                   <a:tcPr/>
@@ -4786,479 +4873,6 @@
     <p:extLst>
       <p:ext uri="{BB962C8B-B14F-4D97-AF65-F5344CB8AC3E}">
         <p14:creationId xmlns:p14="http://schemas.microsoft.com/office/powerpoint/2010/main" val="590499767"/>
-      </p:ext>
-    </p:extLst>
-  </p:cSld>
-  <p:clrMapOvr>
-    <a:masterClrMapping/>
-  </p:clrMapOvr>
-</p:sld>
-</file>
-
-<file path=ppt/slides/slide2.xml><?xml version="1.0" encoding="utf-8"?>
-<p:sld xmlns:a="http://schemas.openxmlformats.org/drawingml/2006/main" xmlns:r="http://schemas.openxmlformats.org/officeDocument/2006/relationships" xmlns:p="http://schemas.openxmlformats.org/presentationml/2006/main">
-  <p:cSld>
-    <p:spTree>
-      <p:nvGrpSpPr>
-        <p:cNvPr id="1" name=""/>
-        <p:cNvGrpSpPr/>
-        <p:nvPr/>
-      </p:nvGrpSpPr>
-      <p:grpSpPr>
-        <a:xfrm>
-          <a:off x="0" y="0"/>
-          <a:ext cx="0" cy="0"/>
-          <a:chOff x="0" y="0"/>
-          <a:chExt cx="0" cy="0"/>
-        </a:xfrm>
-      </p:grpSpPr>
-      <p:graphicFrame>
-        <p:nvGraphicFramePr>
-          <p:cNvPr id="3" name="Table 2"/>
-          <p:cNvGraphicFramePr>
-            <a:graphicFrameLocks noGrp="1"/>
-          </p:cNvGraphicFramePr>
-          <p:nvPr>
-            <p:extLst>
-              <p:ext uri="{D42A27DB-BD31-4B8C-83A1-F6EECF244321}">
-                <p14:modId xmlns:p14="http://schemas.microsoft.com/office/powerpoint/2010/main" val="1278368811"/>
-              </p:ext>
-            </p:extLst>
-          </p:nvPr>
-        </p:nvGraphicFramePr>
-        <p:xfrm>
-          <a:off x="687543" y="1279272"/>
-          <a:ext cx="10397991" cy="2392680"/>
-        </p:xfrm>
-        <a:graphic>
-          <a:graphicData uri="http://schemas.openxmlformats.org/drawingml/2006/table">
-            <a:tbl>
-              <a:tblPr firstRow="1" bandRow="1">
-                <a:tableStyleId>{5C22544A-7EE6-4342-B048-85BDC9FD1C3A}</a:tableStyleId>
-              </a:tblPr>
-              <a:tblGrid>
-                <a:gridCol w="781939">
-                  <a:extLst>
-                    <a:ext uri="{9D8B030D-6E8A-4147-A177-3AD203B41FA5}">
-                      <a16:colId xmlns:a16="http://schemas.microsoft.com/office/drawing/2014/main" val="2648408335"/>
-                    </a:ext>
-                  </a:extLst>
-                </a:gridCol>
-                <a:gridCol w="3135948">
-                  <a:extLst>
-                    <a:ext uri="{9D8B030D-6E8A-4147-A177-3AD203B41FA5}">
-                      <a16:colId xmlns:a16="http://schemas.microsoft.com/office/drawing/2014/main" val="545094443"/>
-                    </a:ext>
-                  </a:extLst>
-                </a:gridCol>
-                <a:gridCol w="2707066">
-                  <a:extLst>
-                    <a:ext uri="{9D8B030D-6E8A-4147-A177-3AD203B41FA5}">
-                      <a16:colId xmlns:a16="http://schemas.microsoft.com/office/drawing/2014/main" val="2190828938"/>
-                    </a:ext>
-                  </a:extLst>
-                </a:gridCol>
-                <a:gridCol w="3773038">
-                  <a:extLst>
-                    <a:ext uri="{9D8B030D-6E8A-4147-A177-3AD203B41FA5}">
-                      <a16:colId xmlns:a16="http://schemas.microsoft.com/office/drawing/2014/main" val="47111116"/>
-                    </a:ext>
-                  </a:extLst>
-                </a:gridCol>
-              </a:tblGrid>
-              <a:tr h="370840">
-                <a:tc>
-                  <a:txBody>
-                    <a:bodyPr/>
-                    <a:lstStyle/>
-                    <a:p>
-                      <a:r>
-                        <a:rPr lang="en-US" dirty="0" smtClean="0"/>
-                        <a:t>Prefix</a:t>
-                      </a:r>
-                      <a:endParaRPr lang="en-US" dirty="0"/>
-                    </a:p>
-                  </a:txBody>
-                  <a:tcPr/>
-                </a:tc>
-                <a:tc>
-                  <a:txBody>
-                    <a:bodyPr/>
-                    <a:lstStyle/>
-                    <a:p>
-                      <a:r>
-                        <a:rPr lang="en-US" dirty="0" smtClean="0"/>
-                        <a:t>Scenario</a:t>
-                      </a:r>
-                      <a:endParaRPr lang="en-US" dirty="0"/>
-                    </a:p>
-                  </a:txBody>
-                  <a:tcPr/>
-                </a:tc>
-                <a:tc>
-                  <a:txBody>
-                    <a:bodyPr/>
-                    <a:lstStyle/>
-                    <a:p>
-                      <a:r>
-                        <a:rPr lang="en-US" dirty="0" smtClean="0"/>
-                        <a:t>Carbon Tax</a:t>
-                      </a:r>
-                      <a:endParaRPr lang="en-US" dirty="0"/>
-                    </a:p>
-                  </a:txBody>
-                  <a:tcPr/>
-                </a:tc>
-                <a:tc>
-                  <a:txBody>
-                    <a:bodyPr/>
-                    <a:lstStyle/>
-                    <a:p>
-                      <a:r>
-                        <a:rPr lang="en-US" dirty="0" smtClean="0"/>
-                        <a:t>TRANS,</a:t>
-                      </a:r>
-                      <a:r>
-                        <a:rPr lang="en-US" baseline="0" dirty="0" smtClean="0"/>
-                        <a:t> DIST_COND, and DIST_TWR </a:t>
-                      </a:r>
-                      <a:r>
-                        <a:rPr lang="en-US" baseline="0" dirty="0" err="1" smtClean="0"/>
-                        <a:t>CostInvest</a:t>
-                      </a:r>
-                      <a:endParaRPr lang="en-US" dirty="0"/>
-                    </a:p>
-                  </a:txBody>
-                  <a:tcPr/>
-                </a:tc>
-                <a:extLst>
-                  <a:ext uri="{0D108BD9-81ED-4DB2-BD59-A6C34878D82A}">
-                    <a16:rowId xmlns:a16="http://schemas.microsoft.com/office/drawing/2014/main" val="4043718998"/>
-                  </a:ext>
-                </a:extLst>
-              </a:tr>
-              <a:tr h="370840">
-                <a:tc>
-                  <a:txBody>
-                    <a:bodyPr/>
-                    <a:lstStyle/>
-                    <a:p>
-                      <a:r>
-                        <a:rPr lang="en-US" dirty="0" smtClean="0"/>
-                        <a:t>W</a:t>
-                      </a:r>
-                      <a:endParaRPr lang="en-US" dirty="0"/>
-                    </a:p>
-                  </a:txBody>
-                  <a:tcPr/>
-                </a:tc>
-                <a:tc>
-                  <a:txBody>
-                    <a:bodyPr/>
-                    <a:lstStyle/>
-                    <a:p>
-                      <a:r>
-                        <a:rPr lang="en-US" dirty="0" smtClean="0"/>
-                        <a:t>Current Infra w/o</a:t>
-                      </a:r>
-                      <a:r>
-                        <a:rPr lang="en-US" baseline="0" dirty="0" smtClean="0"/>
-                        <a:t> Carbon Tax</a:t>
-                      </a:r>
-                    </a:p>
-                  </a:txBody>
-                  <a:tcPr/>
-                </a:tc>
-                <a:tc>
-                  <a:txBody>
-                    <a:bodyPr/>
-                    <a:lstStyle/>
-                    <a:p>
-                      <a:r>
-                        <a:rPr lang="en-US" baseline="0" dirty="0" smtClean="0"/>
-                        <a:t>0</a:t>
-                      </a:r>
-                    </a:p>
-                  </a:txBody>
-                  <a:tcPr/>
-                </a:tc>
-                <a:tc>
-                  <a:txBody>
-                    <a:bodyPr/>
-                    <a:lstStyle/>
-                    <a:p>
-                      <a:r>
-                        <a:rPr lang="en-US" baseline="0" dirty="0" smtClean="0"/>
-                        <a:t>$323-$2084 (based on tech)</a:t>
-                      </a:r>
-                    </a:p>
-                  </a:txBody>
-                  <a:tcPr/>
-                </a:tc>
-                <a:extLst>
-                  <a:ext uri="{0D108BD9-81ED-4DB2-BD59-A6C34878D82A}">
-                    <a16:rowId xmlns:a16="http://schemas.microsoft.com/office/drawing/2014/main" val="4153160432"/>
-                  </a:ext>
-                </a:extLst>
-              </a:tr>
-              <a:tr h="370840">
-                <a:tc>
-                  <a:txBody>
-                    <a:bodyPr/>
-                    <a:lstStyle/>
-                    <a:p>
-                      <a:r>
-                        <a:rPr lang="en-US" dirty="0" smtClean="0"/>
-                        <a:t>X</a:t>
-                      </a:r>
-                      <a:endParaRPr lang="en-US" dirty="0"/>
-                    </a:p>
-                  </a:txBody>
-                  <a:tcPr/>
-                </a:tc>
-                <a:tc>
-                  <a:txBody>
-                    <a:bodyPr/>
-                    <a:lstStyle/>
-                    <a:p>
-                      <a:r>
-                        <a:rPr lang="en-US" dirty="0" smtClean="0"/>
-                        <a:t>Hardened Infra w/o</a:t>
-                      </a:r>
-                      <a:r>
-                        <a:rPr lang="en-US" baseline="0" dirty="0" smtClean="0"/>
-                        <a:t> Carbon Tax</a:t>
-                      </a:r>
-                      <a:endParaRPr lang="en-US" baseline="0" dirty="0" smtClean="0"/>
-                    </a:p>
-                  </a:txBody>
-                  <a:tcPr/>
-                </a:tc>
-                <a:tc>
-                  <a:txBody>
-                    <a:bodyPr/>
-                    <a:lstStyle/>
-                    <a:p>
-                      <a:r>
-                        <a:rPr lang="en-US" baseline="0" dirty="0" smtClean="0"/>
-                        <a:t>0</a:t>
-                      </a:r>
-                      <a:endParaRPr lang="en-US" baseline="0" dirty="0" smtClean="0"/>
-                    </a:p>
-                  </a:txBody>
-                  <a:tcPr/>
-                </a:tc>
-                <a:tc>
-                  <a:txBody>
-                    <a:bodyPr/>
-                    <a:lstStyle/>
-                    <a:p>
-                      <a:r>
-                        <a:rPr lang="en-US" baseline="0" dirty="0" smtClean="0"/>
-                        <a:t>$1E6</a:t>
-                      </a:r>
-                      <a:endParaRPr lang="en-US" baseline="0" dirty="0" smtClean="0"/>
-                    </a:p>
-                  </a:txBody>
-                  <a:tcPr/>
-                </a:tc>
-                <a:extLst>
-                  <a:ext uri="{0D108BD9-81ED-4DB2-BD59-A6C34878D82A}">
-                    <a16:rowId xmlns:a16="http://schemas.microsoft.com/office/drawing/2014/main" val="1374592847"/>
-                  </a:ext>
-                </a:extLst>
-              </a:tr>
-              <a:tr h="370840">
-                <a:tc>
-                  <a:txBody>
-                    <a:bodyPr/>
-                    <a:lstStyle/>
-                    <a:p>
-                      <a:r>
-                        <a:rPr lang="en-US" dirty="0" smtClean="0"/>
-                        <a:t>Y</a:t>
-                      </a:r>
-                      <a:endParaRPr lang="en-US" dirty="0"/>
-                    </a:p>
-                  </a:txBody>
-                  <a:tcPr/>
-                </a:tc>
-                <a:tc>
-                  <a:txBody>
-                    <a:bodyPr/>
-                    <a:lstStyle/>
-                    <a:p>
-                      <a:r>
-                        <a:rPr lang="en-US" dirty="0" smtClean="0"/>
-                        <a:t>Current Infra w/</a:t>
-                      </a:r>
-                      <a:r>
-                        <a:rPr lang="en-US" baseline="0" dirty="0" smtClean="0"/>
-                        <a:t> Carbon Tax</a:t>
-                      </a:r>
-                      <a:endParaRPr lang="en-US" baseline="0" dirty="0" smtClean="0"/>
-                    </a:p>
-                  </a:txBody>
-                  <a:tcPr/>
-                </a:tc>
-                <a:tc>
-                  <a:txBody>
-                    <a:bodyPr/>
-                    <a:lstStyle/>
-                    <a:p>
-                      <a:r>
-                        <a:rPr lang="en-US" baseline="0" dirty="0" smtClean="0"/>
-                        <a:t>By fuel emissions</a:t>
-                      </a:r>
-                      <a:endParaRPr lang="en-US" baseline="0" dirty="0" smtClean="0"/>
-                    </a:p>
-                  </a:txBody>
-                  <a:tcPr/>
-                </a:tc>
-                <a:tc>
-                  <a:txBody>
-                    <a:bodyPr/>
-                    <a:lstStyle/>
-                    <a:p>
-                      <a:r>
-                        <a:rPr lang="en-US" baseline="0" dirty="0" smtClean="0"/>
-                        <a:t>$323-$2084 (based on tech)</a:t>
-                      </a:r>
-                      <a:endParaRPr lang="en-US" baseline="0" dirty="0" smtClean="0"/>
-                    </a:p>
-                  </a:txBody>
-                  <a:tcPr/>
-                </a:tc>
-                <a:extLst>
-                  <a:ext uri="{0D108BD9-81ED-4DB2-BD59-A6C34878D82A}">
-                    <a16:rowId xmlns:a16="http://schemas.microsoft.com/office/drawing/2014/main" val="1629897343"/>
-                  </a:ext>
-                </a:extLst>
-              </a:tr>
-              <a:tr h="370840">
-                <a:tc>
-                  <a:txBody>
-                    <a:bodyPr/>
-                    <a:lstStyle/>
-                    <a:p>
-                      <a:r>
-                        <a:rPr lang="en-US" dirty="0" smtClean="0"/>
-                        <a:t>Z</a:t>
-                      </a:r>
-                      <a:endParaRPr lang="en-US" dirty="0"/>
-                    </a:p>
-                  </a:txBody>
-                  <a:tcPr/>
-                </a:tc>
-                <a:tc>
-                  <a:txBody>
-                    <a:bodyPr/>
-                    <a:lstStyle/>
-                    <a:p>
-                      <a:r>
-                        <a:rPr lang="en-US" dirty="0" smtClean="0"/>
-                        <a:t>Hardened Infra w/</a:t>
-                      </a:r>
-                      <a:r>
-                        <a:rPr lang="en-US" baseline="0" dirty="0" smtClean="0"/>
-                        <a:t> Carbon Tax</a:t>
-                      </a:r>
-                      <a:endParaRPr lang="en-US" baseline="0" dirty="0" smtClean="0"/>
-                    </a:p>
-                  </a:txBody>
-                  <a:tcPr/>
-                </a:tc>
-                <a:tc>
-                  <a:txBody>
-                    <a:bodyPr/>
-                    <a:lstStyle/>
-                    <a:p>
-                      <a:pPr marL="0" marR="0" indent="0" algn="l" defTabSz="914400" rtl="0" eaLnBrk="1" fontAlgn="auto" latinLnBrk="0" hangingPunct="1">
-                        <a:lnSpc>
-                          <a:spcPct val="100000"/>
-                        </a:lnSpc>
-                        <a:spcBef>
-                          <a:spcPts val="0"/>
-                        </a:spcBef>
-                        <a:spcAft>
-                          <a:spcPts val="0"/>
-                        </a:spcAft>
-                        <a:buClrTx/>
-                        <a:buSzTx/>
-                        <a:buFontTx/>
-                        <a:buNone/>
-                        <a:tabLst/>
-                        <a:defRPr/>
-                      </a:pPr>
-                      <a:r>
-                        <a:rPr lang="en-US" baseline="0" dirty="0" smtClean="0"/>
-                        <a:t>By fuel emissions</a:t>
-                      </a:r>
-                    </a:p>
-                    <a:p>
-                      <a:endParaRPr lang="en-US" baseline="0" dirty="0" smtClean="0"/>
-                    </a:p>
-                  </a:txBody>
-                  <a:tcPr/>
-                </a:tc>
-                <a:tc>
-                  <a:txBody>
-                    <a:bodyPr/>
-                    <a:lstStyle/>
-                    <a:p>
-                      <a:r>
-                        <a:rPr lang="en-US" baseline="0" smtClean="0"/>
-                        <a:t>$1E6</a:t>
-                      </a:r>
-                      <a:endParaRPr lang="en-US" baseline="0" dirty="0" smtClean="0"/>
-                    </a:p>
-                  </a:txBody>
-                  <a:tcPr/>
-                </a:tc>
-                <a:extLst>
-                  <a:ext uri="{0D108BD9-81ED-4DB2-BD59-A6C34878D82A}">
-                    <a16:rowId xmlns:a16="http://schemas.microsoft.com/office/drawing/2014/main" val="278724709"/>
-                  </a:ext>
-                </a:extLst>
-              </a:tr>
-            </a:tbl>
-          </a:graphicData>
-        </a:graphic>
-      </p:graphicFrame>
-      <p:sp>
-        <p:nvSpPr>
-          <p:cNvPr id="5" name="TextBox 4"/>
-          <p:cNvSpPr txBox="1"/>
-          <p:nvPr/>
-        </p:nvSpPr>
-        <p:spPr>
-          <a:xfrm>
-            <a:off x="1265128" y="538619"/>
-            <a:ext cx="2597121" cy="369332"/>
-          </a:xfrm>
-          <a:prstGeom prst="rect">
-            <a:avLst/>
-          </a:prstGeom>
-          <a:noFill/>
-        </p:spPr>
-        <p:txBody>
-          <a:bodyPr wrap="none" rtlCol="0">
-            <a:spAutoFit/>
-          </a:bodyPr>
-          <a:lstStyle/>
-          <a:p>
-            <a:r>
-              <a:rPr lang="en-US" b="1" dirty="0" smtClean="0"/>
-              <a:t>Scenario Implementation</a:t>
-            </a:r>
-            <a:endParaRPr lang="en-US" b="1" dirty="0"/>
-          </a:p>
-        </p:txBody>
-      </p:sp>
-    </p:spTree>
-    <p:extLst>
-      <p:ext uri="{BB962C8B-B14F-4D97-AF65-F5344CB8AC3E}">
-        <p14:creationId xmlns:p14="http://schemas.microsoft.com/office/powerpoint/2010/main" val="2066651052"/>
       </p:ext>
     </p:extLst>
   </p:cSld>
